--- a/123/nmop-chairs-slides-session-1.pptx
+++ b/123/nmop-chairs-slides-session-1.pptx
@@ -18740,7 +18740,7 @@
             </a:pPr>
             <a:r>
               <a:rPr lang="en-US" dirty="0"/>
-              <a:t>IETF 122 Meeting Tips</a:t>
+              <a:t>IETF 123 Meeting Tips</a:t>
             </a:r>
             <a:endParaRPr sz="2400" dirty="0">
               <a:solidFill>
@@ -20822,12 +20822,8 @@
           </a:p>
           <a:p>
             <a:r>
-              <a:rPr lang="fr-FR" dirty="0" err="1"/>
-              <a:t>dDesign</a:t>
-            </a:r>
-            <a:r>
               <a:rPr lang="fr-FR" dirty="0"/>
-              <a:t> team </a:t>
+              <a:t>Design team </a:t>
             </a:r>
             <a:r>
               <a:rPr lang="fr-FR" dirty="0" err="1"/>
@@ -20889,7 +20885,15 @@
             </a:r>
             <a:r>
               <a:rPr lang="fr-FR" dirty="0"/>
-              <a:t>, Pauline Folz, Thomas Graf, Michael Mackey, Benoit Claise</a:t>
+              <a:t>, Pauline Folz, Thomas Graf, Michael Mackey, Benoit Claise </a:t>
+            </a:r>
+            <a:r>
+              <a:rPr lang="fr-FR" dirty="0" err="1"/>
+              <a:t>under</a:t>
+            </a:r>
+            <a:r>
+              <a:rPr lang="fr-FR" dirty="0"/>
+              <a:t> Reshad supervision.</a:t>
             </a:r>
             <a:endParaRPr lang="en-US" dirty="0"/>
           </a:p>
